--- a/Human Activity Recognition.pptx
+++ b/Human Activity Recognition.pptx
@@ -276,7 +276,7 @@
           <a:p>
             <a:fld id="{2DB0BF9F-15E8-4312-B2F6-472CC7CA6523}" type="datetimeFigureOut">
               <a:rPr lang="en-IN" smtClean="0"/>
-              <a:t>03-12-2022</a:t>
+              <a:t>04-12-2022</a:t>
             </a:fld>
             <a:endParaRPr lang="en-IN"/>
           </a:p>
@@ -476,7 +476,7 @@
           <a:p>
             <a:fld id="{2DB0BF9F-15E8-4312-B2F6-472CC7CA6523}" type="datetimeFigureOut">
               <a:rPr lang="en-IN" smtClean="0"/>
-              <a:t>03-12-2022</a:t>
+              <a:t>04-12-2022</a:t>
             </a:fld>
             <a:endParaRPr lang="en-IN"/>
           </a:p>
@@ -686,7 +686,7 @@
           <a:p>
             <a:fld id="{2DB0BF9F-15E8-4312-B2F6-472CC7CA6523}" type="datetimeFigureOut">
               <a:rPr lang="en-IN" smtClean="0"/>
-              <a:t>03-12-2022</a:t>
+              <a:t>04-12-2022</a:t>
             </a:fld>
             <a:endParaRPr lang="en-IN"/>
           </a:p>
@@ -886,7 +886,7 @@
           <a:p>
             <a:fld id="{2DB0BF9F-15E8-4312-B2F6-472CC7CA6523}" type="datetimeFigureOut">
               <a:rPr lang="en-IN" smtClean="0"/>
-              <a:t>03-12-2022</a:t>
+              <a:t>04-12-2022</a:t>
             </a:fld>
             <a:endParaRPr lang="en-IN"/>
           </a:p>
@@ -1162,7 +1162,7 @@
           <a:p>
             <a:fld id="{2DB0BF9F-15E8-4312-B2F6-472CC7CA6523}" type="datetimeFigureOut">
               <a:rPr lang="en-IN" smtClean="0"/>
-              <a:t>03-12-2022</a:t>
+              <a:t>04-12-2022</a:t>
             </a:fld>
             <a:endParaRPr lang="en-IN"/>
           </a:p>
@@ -1430,7 +1430,7 @@
           <a:p>
             <a:fld id="{2DB0BF9F-15E8-4312-B2F6-472CC7CA6523}" type="datetimeFigureOut">
               <a:rPr lang="en-IN" smtClean="0"/>
-              <a:t>03-12-2022</a:t>
+              <a:t>04-12-2022</a:t>
             </a:fld>
             <a:endParaRPr lang="en-IN"/>
           </a:p>
@@ -1845,7 +1845,7 @@
           <a:p>
             <a:fld id="{2DB0BF9F-15E8-4312-B2F6-472CC7CA6523}" type="datetimeFigureOut">
               <a:rPr lang="en-IN" smtClean="0"/>
-              <a:t>03-12-2022</a:t>
+              <a:t>04-12-2022</a:t>
             </a:fld>
             <a:endParaRPr lang="en-IN"/>
           </a:p>
@@ -1987,7 +1987,7 @@
           <a:p>
             <a:fld id="{2DB0BF9F-15E8-4312-B2F6-472CC7CA6523}" type="datetimeFigureOut">
               <a:rPr lang="en-IN" smtClean="0"/>
-              <a:t>03-12-2022</a:t>
+              <a:t>04-12-2022</a:t>
             </a:fld>
             <a:endParaRPr lang="en-IN"/>
           </a:p>
@@ -2100,7 +2100,7 @@
           <a:p>
             <a:fld id="{2DB0BF9F-15E8-4312-B2F6-472CC7CA6523}" type="datetimeFigureOut">
               <a:rPr lang="en-IN" smtClean="0"/>
-              <a:t>03-12-2022</a:t>
+              <a:t>04-12-2022</a:t>
             </a:fld>
             <a:endParaRPr lang="en-IN"/>
           </a:p>
@@ -2413,7 +2413,7 @@
           <a:p>
             <a:fld id="{2DB0BF9F-15E8-4312-B2F6-472CC7CA6523}" type="datetimeFigureOut">
               <a:rPr lang="en-IN" smtClean="0"/>
-              <a:t>03-12-2022</a:t>
+              <a:t>04-12-2022</a:t>
             </a:fld>
             <a:endParaRPr lang="en-IN"/>
           </a:p>
@@ -2702,7 +2702,7 @@
           <a:p>
             <a:fld id="{2DB0BF9F-15E8-4312-B2F6-472CC7CA6523}" type="datetimeFigureOut">
               <a:rPr lang="en-IN" smtClean="0"/>
-              <a:t>03-12-2022</a:t>
+              <a:t>04-12-2022</a:t>
             </a:fld>
             <a:endParaRPr lang="en-IN"/>
           </a:p>
@@ -2945,7 +2945,7 @@
           <a:p>
             <a:fld id="{2DB0BF9F-15E8-4312-B2F6-472CC7CA6523}" type="datetimeFigureOut">
               <a:rPr lang="en-IN" smtClean="0"/>
-              <a:t>03-12-2022</a:t>
+              <a:t>04-12-2022</a:t>
             </a:fld>
             <a:endParaRPr lang="en-IN"/>
           </a:p>
@@ -8046,7 +8046,12 @@
             <p:ph type="title"/>
           </p:nvPr>
         </p:nvSpPr>
-        <p:spPr/>
+        <p:spPr>
+          <a:xfrm>
+            <a:off x="838200" y="318472"/>
+            <a:ext cx="10515600" cy="1325563"/>
+          </a:xfrm>
+        </p:spPr>
         <p:txBody>
           <a:bodyPr/>
           <a:lstStyle/>
@@ -8075,7 +8080,7 @@
           <p:nvPr>
             <p:extLst>
               <p:ext uri="{D42A27DB-BD31-4B8C-83A1-F6EECF244321}">
-                <p14:modId xmlns:p14="http://schemas.microsoft.com/office/powerpoint/2010/main" val="3272390602"/>
+                <p14:modId xmlns:p14="http://schemas.microsoft.com/office/powerpoint/2010/main" val="1359363608"/>
               </p:ext>
             </p:extLst>
           </p:nvPr>
@@ -8639,7 +8644,7 @@
                     <a:p>
                       <a:r>
                         <a:rPr lang="en-IN" sz="1400" dirty="0"/>
-                        <a:t>Linear Regression</a:t>
+                        <a:t>Logistic Regression</a:t>
                       </a:r>
                     </a:p>
                   </a:txBody>
@@ -9059,7 +9064,7 @@
         </p:nvSpPr>
         <p:spPr>
           <a:xfrm>
-            <a:off x="930987" y="1267408"/>
+            <a:off x="930987" y="1405516"/>
             <a:ext cx="9018556" cy="3233349"/>
           </a:xfrm>
           <a:prstGeom prst="rect">
@@ -9114,13 +9119,13 @@
           <p:nvPr>
             <p:extLst>
               <p:ext uri="{D42A27DB-BD31-4B8C-83A1-F6EECF244321}">
-                <p14:modId xmlns:p14="http://schemas.microsoft.com/office/powerpoint/2010/main" val="3656821699"/>
+                <p14:modId xmlns:p14="http://schemas.microsoft.com/office/powerpoint/2010/main" val="3407084455"/>
               </p:ext>
             </p:extLst>
           </p:nvPr>
         </p:nvGraphicFramePr>
         <p:xfrm>
-          <a:off x="937207" y="1397687"/>
+          <a:off x="930987" y="1388706"/>
           <a:ext cx="8772850" cy="2947560"/>
         </p:xfrm>
         <a:graphic>
@@ -9678,7 +9683,7 @@
                     <a:p>
                       <a:r>
                         <a:rPr lang="en-IN" sz="1400" dirty="0"/>
-                        <a:t>Linear Regression</a:t>
+                        <a:t>Logistic Regression</a:t>
                       </a:r>
                     </a:p>
                   </a:txBody>
@@ -9832,7 +9837,7 @@
         </p:nvSpPr>
         <p:spPr>
           <a:xfrm>
-            <a:off x="2976466" y="2090057"/>
+            <a:off x="2970246" y="2081076"/>
             <a:ext cx="653142" cy="270588"/>
           </a:xfrm>
           <a:prstGeom prst="rect">
@@ -9884,7 +9889,7 @@
         </p:nvSpPr>
         <p:spPr>
           <a:xfrm>
-            <a:off x="2976466" y="1762882"/>
+            <a:off x="2970246" y="1753901"/>
             <a:ext cx="653142" cy="270588"/>
           </a:xfrm>
           <a:prstGeom prst="rect">
@@ -9936,7 +9941,7 @@
         </p:nvSpPr>
         <p:spPr>
           <a:xfrm>
-            <a:off x="7961604" y="3708750"/>
+            <a:off x="7955384" y="3699769"/>
             <a:ext cx="653142" cy="270588"/>
           </a:xfrm>
           <a:prstGeom prst="rect">
@@ -9988,7 +9993,7 @@
         </p:nvSpPr>
         <p:spPr>
           <a:xfrm>
-            <a:off x="7961604" y="2410584"/>
+            <a:off x="7955384" y="2401603"/>
             <a:ext cx="653142" cy="270588"/>
           </a:xfrm>
           <a:prstGeom prst="rect">
@@ -10877,7 +10882,7 @@
             </a:pPr>
             <a:r>
               <a:rPr lang="en-IN" dirty="0"/>
-              <a:t>Linear regression is fast compared to others but the accuracy is relatively low.</a:t>
+              <a:t>Logistic regression is fast compared to others but the accuracy is relatively low.</a:t>
             </a:r>
           </a:p>
           <a:p>
@@ -10937,7 +10942,7 @@
             </a:pPr>
             <a:r>
               <a:rPr lang="en-IN" dirty="0"/>
-              <a:t>Linear regression outperformed Ridge Regression</a:t>
+              <a:t>Logistic regression outperformed Ridge Regression</a:t>
             </a:r>
           </a:p>
           <a:p>
@@ -11813,7 +11818,7 @@
                   <pslz:sldZmObj sldId="259" cId="2248647614">
                     <pslz:zmPr id="{41170372-D2F6-4523-806C-FA5CBB060C19}" imageType="cover" transitionDur="1500">
                       <p166:blipFill xmlns:p166="http://schemas.microsoft.com/office/powerpoint/2016/6/main">
-                        <a:blip r:embed="rId2">
+                        <a:blip r:embed="rId4">
                           <a:extLst>
                             <a:ext uri="{28A0092B-C50C-407E-A947-70E740481C1C}">
                               <a14:useLocalDpi xmlns:a14="http://schemas.microsoft.com/office/drawing/2010/main" val="0"/>
@@ -12173,7 +12178,7 @@
                   <pslz:sldZmObj sldId="269" cId="201489729">
                     <pslz:zmPr id="{F6566ED0-C5DA-44B8-B71D-0785DE88BAF4}" imageType="cover" transitionDur="1500">
                       <p166:blipFill xmlns:p166="http://schemas.microsoft.com/office/powerpoint/2016/6/main">
-                        <a:blip r:embed="rId2">
+                        <a:blip r:embed="rId4">
                           <a:extLst>
                             <a:ext uri="{28A0092B-C50C-407E-A947-70E740481C1C}">
                               <a14:useLocalDpi xmlns:a14="http://schemas.microsoft.com/office/drawing/2010/main" val="0"/>
